--- a/slides/week02.pptx
+++ b/slides/week02.pptx
@@ -6,31 +6,33 @@
   </p:sldMasterIdLst>
   <p:sldIdLst>
     <p:sldId id="256" r:id="rId2"/>
-    <p:sldId id="260" r:id="rId3"/>
-    <p:sldId id="261" r:id="rId4"/>
-    <p:sldId id="262" r:id="rId5"/>
-    <p:sldId id="263" r:id="rId6"/>
-    <p:sldId id="264" r:id="rId7"/>
-    <p:sldId id="268" r:id="rId8"/>
-    <p:sldId id="258" r:id="rId9"/>
-    <p:sldId id="259" r:id="rId10"/>
-    <p:sldId id="265" r:id="rId11"/>
-    <p:sldId id="267" r:id="rId12"/>
-    <p:sldId id="266" r:id="rId13"/>
-    <p:sldId id="269" r:id="rId14"/>
-    <p:sldId id="271" r:id="rId15"/>
-    <p:sldId id="272" r:id="rId16"/>
-    <p:sldId id="270" r:id="rId17"/>
-    <p:sldId id="282" r:id="rId18"/>
-    <p:sldId id="273" r:id="rId19"/>
-    <p:sldId id="274" r:id="rId20"/>
-    <p:sldId id="275" r:id="rId21"/>
-    <p:sldId id="276" r:id="rId22"/>
-    <p:sldId id="277" r:id="rId23"/>
-    <p:sldId id="278" r:id="rId24"/>
-    <p:sldId id="279" r:id="rId25"/>
-    <p:sldId id="280" r:id="rId26"/>
-    <p:sldId id="281" r:id="rId27"/>
+    <p:sldId id="284" r:id="rId3"/>
+    <p:sldId id="260" r:id="rId4"/>
+    <p:sldId id="261" r:id="rId5"/>
+    <p:sldId id="262" r:id="rId6"/>
+    <p:sldId id="263" r:id="rId7"/>
+    <p:sldId id="264" r:id="rId8"/>
+    <p:sldId id="268" r:id="rId9"/>
+    <p:sldId id="258" r:id="rId10"/>
+    <p:sldId id="259" r:id="rId11"/>
+    <p:sldId id="265" r:id="rId12"/>
+    <p:sldId id="267" r:id="rId13"/>
+    <p:sldId id="266" r:id="rId14"/>
+    <p:sldId id="269" r:id="rId15"/>
+    <p:sldId id="271" r:id="rId16"/>
+    <p:sldId id="272" r:id="rId17"/>
+    <p:sldId id="270" r:id="rId18"/>
+    <p:sldId id="282" r:id="rId19"/>
+    <p:sldId id="283" r:id="rId20"/>
+    <p:sldId id="273" r:id="rId21"/>
+    <p:sldId id="274" r:id="rId22"/>
+    <p:sldId id="275" r:id="rId23"/>
+    <p:sldId id="276" r:id="rId24"/>
+    <p:sldId id="277" r:id="rId25"/>
+    <p:sldId id="278" r:id="rId26"/>
+    <p:sldId id="279" r:id="rId27"/>
+    <p:sldId id="280" r:id="rId28"/>
+    <p:sldId id="281" r:id="rId29"/>
   </p:sldIdLst>
   <p:sldSz cx="9144000" cy="6858000" type="screen4x3"/>
   <p:notesSz cx="6858000" cy="9144000"/>
@@ -313,7 +315,7 @@
           <a:p>
             <a:fld id="{C1C89575-5BA2-A148-9CE5-83E094B0C0C6}" type="datetimeFigureOut">
               <a:rPr lang="en-US" smtClean="0"/>
-              <a:t>9/2/13</a:t>
+              <a:t>9/5/13</a:t>
             </a:fld>
             <a:endParaRPr lang="en-US"/>
           </a:p>
@@ -483,7 +485,7 @@
           <a:p>
             <a:fld id="{C1C89575-5BA2-A148-9CE5-83E094B0C0C6}" type="datetimeFigureOut">
               <a:rPr lang="en-US" smtClean="0"/>
-              <a:t>9/2/13</a:t>
+              <a:t>9/5/13</a:t>
             </a:fld>
             <a:endParaRPr lang="en-US"/>
           </a:p>
@@ -663,7 +665,7 @@
           <a:p>
             <a:fld id="{C1C89575-5BA2-A148-9CE5-83E094B0C0C6}" type="datetimeFigureOut">
               <a:rPr lang="en-US" smtClean="0"/>
-              <a:t>9/2/13</a:t>
+              <a:t>9/5/13</a:t>
             </a:fld>
             <a:endParaRPr lang="en-US"/>
           </a:p>
@@ -833,7 +835,7 @@
           <a:p>
             <a:fld id="{C1C89575-5BA2-A148-9CE5-83E094B0C0C6}" type="datetimeFigureOut">
               <a:rPr lang="en-US" smtClean="0"/>
-              <a:t>9/2/13</a:t>
+              <a:t>9/5/13</a:t>
             </a:fld>
             <a:endParaRPr lang="en-US"/>
           </a:p>
@@ -1079,7 +1081,7 @@
           <a:p>
             <a:fld id="{C1C89575-5BA2-A148-9CE5-83E094B0C0C6}" type="datetimeFigureOut">
               <a:rPr lang="en-US" smtClean="0"/>
-              <a:t>9/2/13</a:t>
+              <a:t>9/5/13</a:t>
             </a:fld>
             <a:endParaRPr lang="en-US"/>
           </a:p>
@@ -1367,7 +1369,7 @@
           <a:p>
             <a:fld id="{C1C89575-5BA2-A148-9CE5-83E094B0C0C6}" type="datetimeFigureOut">
               <a:rPr lang="en-US" smtClean="0"/>
-              <a:t>9/2/13</a:t>
+              <a:t>9/5/13</a:t>
             </a:fld>
             <a:endParaRPr lang="en-US"/>
           </a:p>
@@ -1789,7 +1791,7 @@
           <a:p>
             <a:fld id="{C1C89575-5BA2-A148-9CE5-83E094B0C0C6}" type="datetimeFigureOut">
               <a:rPr lang="en-US" smtClean="0"/>
-              <a:t>9/2/13</a:t>
+              <a:t>9/5/13</a:t>
             </a:fld>
             <a:endParaRPr lang="en-US"/>
           </a:p>
@@ -1907,7 +1909,7 @@
           <a:p>
             <a:fld id="{C1C89575-5BA2-A148-9CE5-83E094B0C0C6}" type="datetimeFigureOut">
               <a:rPr lang="en-US" smtClean="0"/>
-              <a:t>9/2/13</a:t>
+              <a:t>9/5/13</a:t>
             </a:fld>
             <a:endParaRPr lang="en-US"/>
           </a:p>
@@ -2002,7 +2004,7 @@
           <a:p>
             <a:fld id="{C1C89575-5BA2-A148-9CE5-83E094B0C0C6}" type="datetimeFigureOut">
               <a:rPr lang="en-US" smtClean="0"/>
-              <a:t>9/2/13</a:t>
+              <a:t>9/5/13</a:t>
             </a:fld>
             <a:endParaRPr lang="en-US"/>
           </a:p>
@@ -2279,7 +2281,7 @@
           <a:p>
             <a:fld id="{C1C89575-5BA2-A148-9CE5-83E094B0C0C6}" type="datetimeFigureOut">
               <a:rPr lang="en-US" smtClean="0"/>
-              <a:t>9/2/13</a:t>
+              <a:t>9/5/13</a:t>
             </a:fld>
             <a:endParaRPr lang="en-US"/>
           </a:p>
@@ -2532,7 +2534,7 @@
           <a:p>
             <a:fld id="{C1C89575-5BA2-A148-9CE5-83E094B0C0C6}" type="datetimeFigureOut">
               <a:rPr lang="en-US" smtClean="0"/>
-              <a:t>9/2/13</a:t>
+              <a:t>9/5/13</a:t>
             </a:fld>
             <a:endParaRPr lang="en-US"/>
           </a:p>
@@ -2745,7 +2747,7 @@
           <a:p>
             <a:fld id="{C1C89575-5BA2-A148-9CE5-83E094B0C0C6}" type="datetimeFigureOut">
               <a:rPr lang="en-US" smtClean="0"/>
-              <a:t>9/2/13</a:t>
+              <a:t>9/5/13</a:t>
             </a:fld>
             <a:endParaRPr lang="en-US"/>
           </a:p>
@@ -3176,10 +3178,78 @@
   <p:clrMapOvr>
     <a:masterClrMapping/>
   </p:clrMapOvr>
+  <p:timing>
+    <p:tnLst>
+      <p:par>
+        <p:cTn xmlns:p14="http://schemas.microsoft.com/office/powerpoint/2010/main" id="1" dur="indefinite" restart="never" nodeType="tmRoot"/>
+      </p:par>
+    </p:tnLst>
+  </p:timing>
 </p:sld>
 </file>
 
 <file path=ppt/slides/slide10.xml><?xml version="1.0" encoding="utf-8"?>
+<p:sld xmlns:a="http://schemas.openxmlformats.org/drawingml/2006/main" xmlns:r="http://schemas.openxmlformats.org/officeDocument/2006/relationships" xmlns:p="http://schemas.openxmlformats.org/presentationml/2006/main">
+  <p:cSld>
+    <p:spTree>
+      <p:nvGrpSpPr>
+        <p:cNvPr id="1" name=""/>
+        <p:cNvGrpSpPr/>
+        <p:nvPr/>
+      </p:nvGrpSpPr>
+      <p:grpSpPr>
+        <a:xfrm>
+          <a:off x="0" y="0"/>
+          <a:ext cx="0" cy="0"/>
+          <a:chOff x="0" y="0"/>
+          <a:chExt cx="0" cy="0"/>
+        </a:xfrm>
+      </p:grpSpPr>
+      <p:pic>
+        <p:nvPicPr>
+          <p:cNvPr id="3" name="Picture 2"/>
+          <p:cNvPicPr>
+            <a:picLocks noChangeAspect="1"/>
+          </p:cNvPicPr>
+          <p:nvPr/>
+        </p:nvPicPr>
+        <p:blipFill>
+          <a:blip r:embed="rId2"/>
+          <a:stretch>
+            <a:fillRect/>
+          </a:stretch>
+        </p:blipFill>
+        <p:spPr>
+          <a:xfrm>
+            <a:off x="540137" y="131395"/>
+            <a:ext cx="7924352" cy="6511268"/>
+          </a:xfrm>
+          <a:prstGeom prst="rect">
+            <a:avLst/>
+          </a:prstGeom>
+        </p:spPr>
+      </p:pic>
+    </p:spTree>
+    <p:extLst>
+      <p:ext uri="{BB962C8B-B14F-4D97-AF65-F5344CB8AC3E}">
+        <p14:creationId xmlns:p14="http://schemas.microsoft.com/office/powerpoint/2010/main" val="3623088430"/>
+      </p:ext>
+    </p:extLst>
+  </p:cSld>
+  <p:clrMapOvr>
+    <a:masterClrMapping/>
+  </p:clrMapOvr>
+  <p:timing>
+    <p:tnLst>
+      <p:par>
+        <p:cTn xmlns:p14="http://schemas.microsoft.com/office/powerpoint/2010/main" id="1" dur="indefinite" restart="never" nodeType="tmRoot"/>
+      </p:par>
+    </p:tnLst>
+  </p:timing>
+</p:sld>
+</file>
+
+<file path=ppt/slides/slide11.xml><?xml version="1.0" encoding="utf-8"?>
 <p:sld xmlns:a="http://schemas.openxmlformats.org/drawingml/2006/main" xmlns:r="http://schemas.openxmlformats.org/officeDocument/2006/relationships" xmlns:p="http://schemas.openxmlformats.org/presentationml/2006/main">
   <p:cSld>
     <p:spTree>
@@ -3230,10 +3300,17 @@
   <p:clrMapOvr>
     <a:masterClrMapping/>
   </p:clrMapOvr>
+  <p:timing>
+    <p:tnLst>
+      <p:par>
+        <p:cTn xmlns:p14="http://schemas.microsoft.com/office/powerpoint/2010/main" id="1" dur="indefinite" restart="never" nodeType="tmRoot"/>
+      </p:par>
+    </p:tnLst>
+  </p:timing>
 </p:sld>
 </file>
 
-<file path=ppt/slides/slide11.xml><?xml version="1.0" encoding="utf-8"?>
+<file path=ppt/slides/slide12.xml><?xml version="1.0" encoding="utf-8"?>
 <p:sld xmlns:a="http://schemas.openxmlformats.org/drawingml/2006/main" xmlns:r="http://schemas.openxmlformats.org/officeDocument/2006/relationships" xmlns:p="http://schemas.openxmlformats.org/presentationml/2006/main">
   <p:cSld>
     <p:spTree>
@@ -3327,10 +3404,17 @@
   <p:clrMapOvr>
     <a:masterClrMapping/>
   </p:clrMapOvr>
+  <p:timing>
+    <p:tnLst>
+      <p:par>
+        <p:cTn xmlns:p14="http://schemas.microsoft.com/office/powerpoint/2010/main" id="1" dur="indefinite" restart="never" nodeType="tmRoot"/>
+      </p:par>
+    </p:tnLst>
+  </p:timing>
 </p:sld>
 </file>
 
-<file path=ppt/slides/slide12.xml><?xml version="1.0" encoding="utf-8"?>
+<file path=ppt/slides/slide13.xml><?xml version="1.0" encoding="utf-8"?>
 <p:sld xmlns:a="http://schemas.openxmlformats.org/drawingml/2006/main" xmlns:r="http://schemas.openxmlformats.org/officeDocument/2006/relationships" xmlns:p="http://schemas.openxmlformats.org/presentationml/2006/main">
   <p:cSld>
     <p:spTree>
@@ -3381,10 +3465,17 @@
   <p:clrMapOvr>
     <a:masterClrMapping/>
   </p:clrMapOvr>
+  <p:timing>
+    <p:tnLst>
+      <p:par>
+        <p:cTn xmlns:p14="http://schemas.microsoft.com/office/powerpoint/2010/main" id="1" dur="indefinite" restart="never" nodeType="tmRoot"/>
+      </p:par>
+    </p:tnLst>
+  </p:timing>
 </p:sld>
 </file>
 
-<file path=ppt/slides/slide13.xml><?xml version="1.0" encoding="utf-8"?>
+<file path=ppt/slides/slide14.xml><?xml version="1.0" encoding="utf-8"?>
 <p:sld xmlns:a="http://schemas.openxmlformats.org/drawingml/2006/main" xmlns:r="http://schemas.openxmlformats.org/officeDocument/2006/relationships" xmlns:p="http://schemas.openxmlformats.org/presentationml/2006/main">
   <p:cSld>
     <p:spTree>
@@ -3515,10 +3606,17 @@
   <p:clrMapOvr>
     <a:masterClrMapping/>
   </p:clrMapOvr>
+  <p:timing>
+    <p:tnLst>
+      <p:par>
+        <p:cTn xmlns:p14="http://schemas.microsoft.com/office/powerpoint/2010/main" id="1" dur="indefinite" restart="never" nodeType="tmRoot"/>
+      </p:par>
+    </p:tnLst>
+  </p:timing>
 </p:sld>
 </file>
 
-<file path=ppt/slides/slide14.xml><?xml version="1.0" encoding="utf-8"?>
+<file path=ppt/slides/slide15.xml><?xml version="1.0" encoding="utf-8"?>
 <p:sld xmlns:a="http://schemas.openxmlformats.org/drawingml/2006/main" xmlns:r="http://schemas.openxmlformats.org/officeDocument/2006/relationships" xmlns:p="http://schemas.openxmlformats.org/presentationml/2006/main">
   <p:cSld>
     <p:spTree>
@@ -3817,10 +3915,17 @@
   <p:clrMapOvr>
     <a:masterClrMapping/>
   </p:clrMapOvr>
+  <p:timing>
+    <p:tnLst>
+      <p:par>
+        <p:cTn xmlns:p14="http://schemas.microsoft.com/office/powerpoint/2010/main" id="1" dur="indefinite" restart="never" nodeType="tmRoot"/>
+      </p:par>
+    </p:tnLst>
+  </p:timing>
 </p:sld>
 </file>
 
-<file path=ppt/slides/slide15.xml><?xml version="1.0" encoding="utf-8"?>
+<file path=ppt/slides/slide16.xml><?xml version="1.0" encoding="utf-8"?>
 <p:sld xmlns:a="http://schemas.openxmlformats.org/drawingml/2006/main" xmlns:r="http://schemas.openxmlformats.org/officeDocument/2006/relationships" xmlns:p="http://schemas.openxmlformats.org/presentationml/2006/main">
   <p:cSld>
     <p:spTree>
@@ -4119,10 +4224,17 @@
   <p:clrMapOvr>
     <a:masterClrMapping/>
   </p:clrMapOvr>
+  <p:timing>
+    <p:tnLst>
+      <p:par>
+        <p:cTn xmlns:p14="http://schemas.microsoft.com/office/powerpoint/2010/main" id="1" dur="indefinite" restart="never" nodeType="tmRoot"/>
+      </p:par>
+    </p:tnLst>
+  </p:timing>
 </p:sld>
 </file>
 
-<file path=ppt/slides/slide16.xml><?xml version="1.0" encoding="utf-8"?>
+<file path=ppt/slides/slide17.xml><?xml version="1.0" encoding="utf-8"?>
 <p:sld xmlns:a="http://schemas.openxmlformats.org/drawingml/2006/main" xmlns:r="http://schemas.openxmlformats.org/officeDocument/2006/relationships" xmlns:p="http://schemas.openxmlformats.org/presentationml/2006/main">
   <p:cSld>
     <p:spTree>
@@ -4170,6 +4282,45 @@
           </a:p>
         </p:txBody>
       </p:sp>
+      <p:sp>
+        <p:nvSpPr>
+          <p:cNvPr id="3" name="TextBox 2"/>
+          <p:cNvSpPr txBox="1"/>
+          <p:nvPr/>
+        </p:nvSpPr>
+        <p:spPr>
+          <a:xfrm>
+            <a:off x="6116681" y="6315581"/>
+            <a:ext cx="2827404" cy="369332"/>
+          </a:xfrm>
+          <a:prstGeom prst="rect">
+            <a:avLst/>
+          </a:prstGeom>
+          <a:noFill/>
+        </p:spPr>
+        <p:txBody>
+          <a:bodyPr wrap="none" rtlCol="0">
+            <a:spAutoFit/>
+          </a:bodyPr>
+          <a:lstStyle/>
+          <a:p>
+            <a:pPr algn="r"/>
+            <a:r>
+              <a:rPr lang="en-US" dirty="0" smtClean="0"/>
+              <a:t>See 01.zip code (</a:t>
+            </a:r>
+            <a:r>
+              <a:rPr lang="en-US" i="1" u="sng" dirty="0" smtClean="0"/>
+              <a:t>bits</a:t>
+            </a:r>
+            <a:r>
+              <a:rPr lang="en-US" dirty="0" smtClean="0"/>
+              <a:t> sketch)</a:t>
+            </a:r>
+            <a:endParaRPr lang="en-US" dirty="0"/>
+          </a:p>
+        </p:txBody>
+      </p:sp>
     </p:spTree>
     <p:extLst>
       <p:ext uri="{BB962C8B-B14F-4D97-AF65-F5344CB8AC3E}">
@@ -4180,10 +4331,88 @@
   <p:clrMapOvr>
     <a:masterClrMapping/>
   </p:clrMapOvr>
+  <p:timing>
+    <p:tnLst>
+      <p:par>
+        <p:cTn xmlns:p14="http://schemas.microsoft.com/office/powerpoint/2010/main" id="1" dur="indefinite" restart="never" nodeType="tmRoot">
+          <p:childTnLst>
+            <p:seq concurrent="1" nextAc="seek">
+              <p:cTn id="2" dur="indefinite" nodeType="mainSeq">
+                <p:childTnLst>
+                  <p:par>
+                    <p:cTn id="3" fill="hold">
+                      <p:stCondLst>
+                        <p:cond delay="indefinite"/>
+                      </p:stCondLst>
+                      <p:childTnLst>
+                        <p:par>
+                          <p:cTn id="4" fill="hold">
+                            <p:stCondLst>
+                              <p:cond delay="0"/>
+                            </p:stCondLst>
+                            <p:childTnLst>
+                              <p:par>
+                                <p:cTn id="5" presetID="1" presetClass="entr" presetSubtype="0" fill="hold" grpId="0" nodeType="clickEffect">
+                                  <p:stCondLst>
+                                    <p:cond delay="0"/>
+                                  </p:stCondLst>
+                                  <p:childTnLst>
+                                    <p:set>
+                                      <p:cBhvr>
+                                        <p:cTn id="6" dur="1" fill="hold">
+                                          <p:stCondLst>
+                                            <p:cond delay="0"/>
+                                          </p:stCondLst>
+                                        </p:cTn>
+                                        <p:tgtEl>
+                                          <p:spTgt spid="3"/>
+                                        </p:tgtEl>
+                                        <p:attrNameLst>
+                                          <p:attrName>style.visibility</p:attrName>
+                                        </p:attrNameLst>
+                                      </p:cBhvr>
+                                      <p:to>
+                                        <p:strVal val="visible"/>
+                                      </p:to>
+                                    </p:set>
+                                  </p:childTnLst>
+                                </p:cTn>
+                              </p:par>
+                            </p:childTnLst>
+                          </p:cTn>
+                        </p:par>
+                      </p:childTnLst>
+                    </p:cTn>
+                  </p:par>
+                </p:childTnLst>
+              </p:cTn>
+              <p:prevCondLst>
+                <p:cond evt="onPrev" delay="0">
+                  <p:tgtEl>
+                    <p:sldTgt/>
+                  </p:tgtEl>
+                </p:cond>
+              </p:prevCondLst>
+              <p:nextCondLst>
+                <p:cond evt="onNext" delay="0">
+                  <p:tgtEl>
+                    <p:sldTgt/>
+                  </p:tgtEl>
+                </p:cond>
+              </p:nextCondLst>
+            </p:seq>
+          </p:childTnLst>
+        </p:cTn>
+      </p:par>
+    </p:tnLst>
+    <p:bldLst>
+      <p:bldP spid="3" grpId="0"/>
+    </p:bldLst>
+  </p:timing>
 </p:sld>
 </file>
 
-<file path=ppt/slides/slide17.xml><?xml version="1.0" encoding="utf-8"?>
+<file path=ppt/slides/slide18.xml><?xml version="1.0" encoding="utf-8"?>
 <p:sld xmlns:a="http://schemas.openxmlformats.org/drawingml/2006/main" xmlns:r="http://schemas.openxmlformats.org/officeDocument/2006/relationships" xmlns:p="http://schemas.openxmlformats.org/presentationml/2006/main">
   <p:cSld>
     <p:spTree>
@@ -4234,14 +4463,38 @@
             <p:ph type="title"/>
           </p:nvPr>
         </p:nvSpPr>
-        <p:spPr/>
-        <p:txBody>
-          <a:bodyPr/>
+        <p:spPr>
+          <a:xfrm>
+            <a:off x="457200" y="46038"/>
+            <a:ext cx="8229600" cy="1325562"/>
+          </a:xfrm>
+        </p:spPr>
+        <p:txBody>
+          <a:bodyPr>
+            <a:normAutofit fontScale="90000"/>
+          </a:bodyPr>
           <a:lstStyle/>
           <a:p>
             <a:r>
               <a:rPr lang="en-US" dirty="0" smtClean="0"/>
               <a:t>Exercise</a:t>
+            </a:r>
+            <a:br>
+              <a:rPr lang="en-US" dirty="0" smtClean="0"/>
+            </a:br>
+            <a:r>
+              <a:rPr lang="en-US" sz="3100" dirty="0" smtClean="0"/>
+              <a:t>(Use </a:t>
+            </a:r>
+            <a:r>
+              <a:rPr lang="en-US" sz="3100" dirty="0" smtClean="0">
+                <a:hlinkClick r:id="rId3"/>
+              </a:rPr>
+              <a:t>http://processing.org/reference</a:t>
+            </a:r>
+            <a:r>
+              <a:rPr lang="en-US" sz="3100" dirty="0" smtClean="0"/>
+              <a:t> for reference)</a:t>
             </a:r>
             <a:endParaRPr lang="en-US" dirty="0"/>
           </a:p>
@@ -4257,10 +4510,17 @@
   <p:clrMapOvr>
     <a:masterClrMapping/>
   </p:clrMapOvr>
+  <p:timing>
+    <p:tnLst>
+      <p:par>
+        <p:cTn xmlns:p14="http://schemas.microsoft.com/office/powerpoint/2010/main" id="1" dur="indefinite" restart="never" nodeType="tmRoot"/>
+      </p:par>
+    </p:tnLst>
+  </p:timing>
 </p:sld>
 </file>
 
-<file path=ppt/slides/slide18.xml><?xml version="1.0" encoding="utf-8"?>
+<file path=ppt/slides/slide19.xml><?xml version="1.0" encoding="utf-8"?>
 <p:sld xmlns:a="http://schemas.openxmlformats.org/drawingml/2006/main" xmlns:r="http://schemas.openxmlformats.org/officeDocument/2006/relationships" xmlns:p="http://schemas.openxmlformats.org/presentationml/2006/main">
   <p:cSld>
     <p:spTree>
@@ -4277,6 +4537,139 @@
           <a:chExt cx="0" cy="0"/>
         </a:xfrm>
       </p:grpSpPr>
+      <p:pic>
+        <p:nvPicPr>
+          <p:cNvPr id="2" name="Picture 1"/>
+          <p:cNvPicPr>
+            <a:picLocks noChangeAspect="1"/>
+          </p:cNvPicPr>
+          <p:nvPr/>
+        </p:nvPicPr>
+        <p:blipFill>
+          <a:blip r:embed="rId2"/>
+          <a:stretch>
+            <a:fillRect/>
+          </a:stretch>
+        </p:blipFill>
+        <p:spPr>
+          <a:xfrm>
+            <a:off x="0" y="0"/>
+            <a:ext cx="9141016" cy="6858000"/>
+          </a:xfrm>
+          <a:prstGeom prst="rect">
+            <a:avLst/>
+          </a:prstGeom>
+        </p:spPr>
+      </p:pic>
+    </p:spTree>
+    <p:extLst>
+      <p:ext uri="{BB962C8B-B14F-4D97-AF65-F5344CB8AC3E}">
+        <p14:creationId xmlns:p14="http://schemas.microsoft.com/office/powerpoint/2010/main" val="2799460778"/>
+      </p:ext>
+    </p:extLst>
+  </p:cSld>
+  <p:clrMapOvr>
+    <a:masterClrMapping/>
+  </p:clrMapOvr>
+  <p:timing>
+    <p:tnLst>
+      <p:par>
+        <p:cTn xmlns:p14="http://schemas.microsoft.com/office/powerpoint/2010/main" id="1" dur="indefinite" restart="never" nodeType="tmRoot"/>
+      </p:par>
+    </p:tnLst>
+  </p:timing>
+</p:sld>
+</file>
+
+<file path=ppt/slides/slide2.xml><?xml version="1.0" encoding="utf-8"?>
+<p:sld xmlns:a="http://schemas.openxmlformats.org/drawingml/2006/main" xmlns:r="http://schemas.openxmlformats.org/officeDocument/2006/relationships" xmlns:p="http://schemas.openxmlformats.org/presentationml/2006/main">
+  <p:cSld>
+    <p:spTree>
+      <p:nvGrpSpPr>
+        <p:cNvPr id="1" name=""/>
+        <p:cNvGrpSpPr/>
+        <p:nvPr/>
+      </p:nvGrpSpPr>
+      <p:grpSpPr>
+        <a:xfrm>
+          <a:off x="0" y="0"/>
+          <a:ext cx="0" cy="0"/>
+          <a:chOff x="0" y="0"/>
+          <a:chExt cx="0" cy="0"/>
+        </a:xfrm>
+      </p:grpSpPr>
+      <p:sp>
+        <p:nvSpPr>
+          <p:cNvPr id="2" name="Title 1"/>
+          <p:cNvSpPr>
+            <a:spLocks noGrp="1"/>
+          </p:cNvSpPr>
+          <p:nvPr>
+            <p:ph type="title"/>
+          </p:nvPr>
+        </p:nvSpPr>
+        <p:spPr/>
+        <p:txBody>
+          <a:bodyPr/>
+          <a:lstStyle/>
+          <a:p>
+            <a:r>
+              <a:rPr lang="en-US" dirty="0" smtClean="0"/>
+              <a:t>“FAVORITE SKETCHES”</a:t>
+            </a:r>
+            <a:endParaRPr lang="en-US" dirty="0"/>
+          </a:p>
+        </p:txBody>
+      </p:sp>
+      <p:sp>
+        <p:nvSpPr>
+          <p:cNvPr id="3" name="Text Placeholder 2"/>
+          <p:cNvSpPr>
+            <a:spLocks noGrp="1"/>
+          </p:cNvSpPr>
+          <p:nvPr>
+            <p:ph type="body" idx="1"/>
+          </p:nvPr>
+        </p:nvSpPr>
+        <p:spPr/>
+        <p:txBody>
+          <a:bodyPr/>
+          <a:lstStyle/>
+          <a:p>
+            <a:endParaRPr lang="en-US"/>
+          </a:p>
+        </p:txBody>
+      </p:sp>
+    </p:spTree>
+    <p:extLst>
+      <p:ext uri="{BB962C8B-B14F-4D97-AF65-F5344CB8AC3E}">
+        <p14:creationId xmlns:p14="http://schemas.microsoft.com/office/powerpoint/2010/main" val="1201512794"/>
+      </p:ext>
+    </p:extLst>
+  </p:cSld>
+  <p:clrMapOvr>
+    <a:masterClrMapping/>
+  </p:clrMapOvr>
+</p:sld>
+</file>
+
+<file path=ppt/slides/slide20.xml><?xml version="1.0" encoding="utf-8"?>
+<p:sld xmlns:a="http://schemas.openxmlformats.org/drawingml/2006/main" xmlns:r="http://schemas.openxmlformats.org/officeDocument/2006/relationships" xmlns:p="http://schemas.openxmlformats.org/presentationml/2006/main">
+  <p:cSld>
+    <p:spTree>
+      <p:nvGrpSpPr>
+        <p:cNvPr id="1" name=""/>
+        <p:cNvGrpSpPr/>
+        <p:nvPr/>
+      </p:nvGrpSpPr>
+      <p:grpSpPr>
+        <a:xfrm>
+          <a:off x="0" y="0"/>
+          <a:ext cx="0" cy="0"/>
+          <a:chOff x="0" y="0"/>
+          <a:chExt cx="0" cy="0"/>
+        </a:xfrm>
+      </p:grpSpPr>
       <p:sp>
         <p:nvSpPr>
           <p:cNvPr id="2" name="Title 1"/>
@@ -4333,10 +4726,17 @@
   <p:clrMapOvr>
     <a:masterClrMapping/>
   </p:clrMapOvr>
+  <p:timing>
+    <p:tnLst>
+      <p:par>
+        <p:cTn xmlns:p14="http://schemas.microsoft.com/office/powerpoint/2010/main" id="1" dur="indefinite" restart="never" nodeType="tmRoot"/>
+      </p:par>
+    </p:tnLst>
+  </p:timing>
 </p:sld>
 </file>
 
-<file path=ppt/slides/slide19.xml><?xml version="1.0" encoding="utf-8"?>
+<file path=ppt/slides/slide21.xml><?xml version="1.0" encoding="utf-8"?>
 <p:sld xmlns:a="http://schemas.openxmlformats.org/drawingml/2006/main" xmlns:r="http://schemas.openxmlformats.org/officeDocument/2006/relationships" xmlns:p="http://schemas.openxmlformats.org/presentationml/2006/main">
   <p:cSld>
     <p:spTree>
@@ -4393,78 +4793,6 @@
   <p:clrMapOvr>
     <a:masterClrMapping/>
   </p:clrMapOvr>
-</p:sld>
-</file>
-
-<file path=ppt/slides/slide2.xml><?xml version="1.0" encoding="utf-8"?>
-<p:sld xmlns:a="http://schemas.openxmlformats.org/drawingml/2006/main" xmlns:r="http://schemas.openxmlformats.org/officeDocument/2006/relationships" xmlns:p="http://schemas.openxmlformats.org/presentationml/2006/main">
-  <p:cSld>
-    <p:spTree>
-      <p:nvGrpSpPr>
-        <p:cNvPr id="1" name=""/>
-        <p:cNvGrpSpPr/>
-        <p:nvPr/>
-      </p:nvGrpSpPr>
-      <p:grpSpPr>
-        <a:xfrm>
-          <a:off x="0" y="0"/>
-          <a:ext cx="0" cy="0"/>
-          <a:chOff x="0" y="0"/>
-          <a:chExt cx="0" cy="0"/>
-        </a:xfrm>
-      </p:grpSpPr>
-      <p:sp>
-        <p:nvSpPr>
-          <p:cNvPr id="2" name="Title 1"/>
-          <p:cNvSpPr>
-            <a:spLocks noGrp="1"/>
-          </p:cNvSpPr>
-          <p:nvPr>
-            <p:ph type="title"/>
-          </p:nvPr>
-        </p:nvSpPr>
-        <p:spPr/>
-        <p:txBody>
-          <a:bodyPr/>
-          <a:lstStyle/>
-          <a:p>
-            <a:r>
-              <a:rPr lang="en-US" dirty="0" smtClean="0"/>
-              <a:t>Code Elements</a:t>
-            </a:r>
-            <a:endParaRPr lang="en-US" dirty="0"/>
-          </a:p>
-        </p:txBody>
-      </p:sp>
-      <p:sp>
-        <p:nvSpPr>
-          <p:cNvPr id="3" name="Text Placeholder 2"/>
-          <p:cNvSpPr>
-            <a:spLocks noGrp="1"/>
-          </p:cNvSpPr>
-          <p:nvPr>
-            <p:ph type="body" idx="1"/>
-          </p:nvPr>
-        </p:nvSpPr>
-        <p:spPr/>
-        <p:txBody>
-          <a:bodyPr/>
-          <a:lstStyle/>
-          <a:p>
-            <a:endParaRPr lang="en-US"/>
-          </a:p>
-        </p:txBody>
-      </p:sp>
-    </p:spTree>
-    <p:extLst>
-      <p:ext uri="{BB962C8B-B14F-4D97-AF65-F5344CB8AC3E}">
-        <p14:creationId xmlns:p14="http://schemas.microsoft.com/office/powerpoint/2010/main" val="1662136106"/>
-      </p:ext>
-    </p:extLst>
-  </p:cSld>
-  <p:clrMapOvr>
-    <a:masterClrMapping/>
-  </p:clrMapOvr>
   <p:timing>
     <p:tnLst>
       <p:par>
@@ -4475,7 +4803,7 @@
 </p:sld>
 </file>
 
-<file path=ppt/slides/slide20.xml><?xml version="1.0" encoding="utf-8"?>
+<file path=ppt/slides/slide22.xml><?xml version="1.0" encoding="utf-8"?>
 <p:sld xmlns:a="http://schemas.openxmlformats.org/drawingml/2006/main" xmlns:r="http://schemas.openxmlformats.org/officeDocument/2006/relationships" xmlns:p="http://schemas.openxmlformats.org/presentationml/2006/main">
   <p:cSld>
     <p:spTree>
@@ -4532,10 +4860,17 @@
   <p:clrMapOvr>
     <a:masterClrMapping/>
   </p:clrMapOvr>
+  <p:timing>
+    <p:tnLst>
+      <p:par>
+        <p:cTn xmlns:p14="http://schemas.microsoft.com/office/powerpoint/2010/main" id="1" dur="indefinite" restart="never" nodeType="tmRoot"/>
+      </p:par>
+    </p:tnLst>
+  </p:timing>
 </p:sld>
 </file>
 
-<file path=ppt/slides/slide21.xml><?xml version="1.0" encoding="utf-8"?>
+<file path=ppt/slides/slide23.xml><?xml version="1.0" encoding="utf-8"?>
 <p:sld xmlns:a="http://schemas.openxmlformats.org/drawingml/2006/main" xmlns:r="http://schemas.openxmlformats.org/officeDocument/2006/relationships" xmlns:p="http://schemas.openxmlformats.org/presentationml/2006/main">
   <p:cSld>
     <p:spTree>
@@ -4592,10 +4927,17 @@
   <p:clrMapOvr>
     <a:masterClrMapping/>
   </p:clrMapOvr>
+  <p:timing>
+    <p:tnLst>
+      <p:par>
+        <p:cTn xmlns:p14="http://schemas.microsoft.com/office/powerpoint/2010/main" id="1" dur="indefinite" restart="never" nodeType="tmRoot"/>
+      </p:par>
+    </p:tnLst>
+  </p:timing>
 </p:sld>
 </file>
 
-<file path=ppt/slides/slide22.xml><?xml version="1.0" encoding="utf-8"?>
+<file path=ppt/slides/slide24.xml><?xml version="1.0" encoding="utf-8"?>
 <p:sld xmlns:a="http://schemas.openxmlformats.org/drawingml/2006/main" xmlns:r="http://schemas.openxmlformats.org/officeDocument/2006/relationships" xmlns:p="http://schemas.openxmlformats.org/presentationml/2006/main">
   <p:cSld>
     <p:spTree>
@@ -4655,7 +4997,7 @@
 </p:sld>
 </file>
 
-<file path=ppt/slides/slide23.xml><?xml version="1.0" encoding="utf-8"?>
+<file path=ppt/slides/slide25.xml><?xml version="1.0" encoding="utf-8"?>
 <p:sld xmlns:a="http://schemas.openxmlformats.org/drawingml/2006/main" xmlns:r="http://schemas.openxmlformats.org/officeDocument/2006/relationships" xmlns:p="http://schemas.openxmlformats.org/presentationml/2006/main">
   <p:cSld>
     <p:spTree>
@@ -4715,7 +5057,7 @@
 </p:sld>
 </file>
 
-<file path=ppt/slides/slide24.xml><?xml version="1.0" encoding="utf-8"?>
+<file path=ppt/slides/slide26.xml><?xml version="1.0" encoding="utf-8"?>
 <p:sld xmlns:a="http://schemas.openxmlformats.org/drawingml/2006/main" xmlns:r="http://schemas.openxmlformats.org/officeDocument/2006/relationships" xmlns:p="http://schemas.openxmlformats.org/presentationml/2006/main">
   <p:cSld>
     <p:spTree>
@@ -4775,7 +5117,7 @@
 </p:sld>
 </file>
 
-<file path=ppt/slides/slide25.xml><?xml version="1.0" encoding="utf-8"?>
+<file path=ppt/slides/slide27.xml><?xml version="1.0" encoding="utf-8"?>
 <p:sld xmlns:a="http://schemas.openxmlformats.org/drawingml/2006/main" xmlns:r="http://schemas.openxmlformats.org/officeDocument/2006/relationships" xmlns:p="http://schemas.openxmlformats.org/presentationml/2006/main">
   <p:cSld>
     <p:spTree>
@@ -4835,7 +5177,7 @@
 </p:sld>
 </file>
 
-<file path=ppt/slides/slide26.xml><?xml version="1.0" encoding="utf-8"?>
+<file path=ppt/slides/slide28.xml><?xml version="1.0" encoding="utf-8"?>
 <p:sld xmlns:a="http://schemas.openxmlformats.org/drawingml/2006/main" xmlns:r="http://schemas.openxmlformats.org/officeDocument/2006/relationships" xmlns:p="http://schemas.openxmlformats.org/presentationml/2006/main">
   <p:cSld>
     <p:spTree>
@@ -4912,6 +5254,85 @@
           <a:chExt cx="0" cy="0"/>
         </a:xfrm>
       </p:grpSpPr>
+      <p:sp>
+        <p:nvSpPr>
+          <p:cNvPr id="2" name="Title 1"/>
+          <p:cNvSpPr>
+            <a:spLocks noGrp="1"/>
+          </p:cNvSpPr>
+          <p:nvPr>
+            <p:ph type="title"/>
+          </p:nvPr>
+        </p:nvSpPr>
+        <p:spPr/>
+        <p:txBody>
+          <a:bodyPr/>
+          <a:lstStyle/>
+          <a:p>
+            <a:r>
+              <a:rPr lang="en-US" dirty="0" smtClean="0"/>
+              <a:t>Code Elements</a:t>
+            </a:r>
+            <a:endParaRPr lang="en-US" dirty="0"/>
+          </a:p>
+        </p:txBody>
+      </p:sp>
+      <p:sp>
+        <p:nvSpPr>
+          <p:cNvPr id="3" name="Text Placeholder 2"/>
+          <p:cNvSpPr>
+            <a:spLocks noGrp="1"/>
+          </p:cNvSpPr>
+          <p:nvPr>
+            <p:ph type="body" idx="1"/>
+          </p:nvPr>
+        </p:nvSpPr>
+        <p:spPr/>
+        <p:txBody>
+          <a:bodyPr/>
+          <a:lstStyle/>
+          <a:p>
+            <a:endParaRPr lang="en-US"/>
+          </a:p>
+        </p:txBody>
+      </p:sp>
+    </p:spTree>
+    <p:extLst>
+      <p:ext uri="{BB962C8B-B14F-4D97-AF65-F5344CB8AC3E}">
+        <p14:creationId xmlns:p14="http://schemas.microsoft.com/office/powerpoint/2010/main" val="1662136106"/>
+      </p:ext>
+    </p:extLst>
+  </p:cSld>
+  <p:clrMapOvr>
+    <a:masterClrMapping/>
+  </p:clrMapOvr>
+  <p:timing>
+    <p:tnLst>
+      <p:par>
+        <p:cTn xmlns:p14="http://schemas.microsoft.com/office/powerpoint/2010/main" id="1" dur="indefinite" restart="never" nodeType="tmRoot"/>
+      </p:par>
+    </p:tnLst>
+  </p:timing>
+</p:sld>
+</file>
+
+<file path=ppt/slides/slide4.xml><?xml version="1.0" encoding="utf-8"?>
+<p:sld xmlns:a="http://schemas.openxmlformats.org/drawingml/2006/main" xmlns:r="http://schemas.openxmlformats.org/officeDocument/2006/relationships" xmlns:p="http://schemas.openxmlformats.org/presentationml/2006/main">
+  <p:cSld>
+    <p:spTree>
+      <p:nvGrpSpPr>
+        <p:cNvPr id="1" name=""/>
+        <p:cNvGrpSpPr/>
+        <p:nvPr/>
+      </p:nvGrpSpPr>
+      <p:grpSpPr>
+        <a:xfrm>
+          <a:off x="0" y="0"/>
+          <a:ext cx="0" cy="0"/>
+          <a:chOff x="0" y="0"/>
+          <a:chExt cx="0" cy="0"/>
+        </a:xfrm>
+      </p:grpSpPr>
       <p:pic>
         <p:nvPicPr>
           <p:cNvPr id="4" name="Picture 3"/>
@@ -5036,7 +5457,7 @@
 </p:sld>
 </file>
 
-<file path=ppt/slides/slide4.xml><?xml version="1.0" encoding="utf-8"?>
+<file path=ppt/slides/slide5.xml><?xml version="1.0" encoding="utf-8"?>
 <p:sld xmlns:a="http://schemas.openxmlformats.org/drawingml/2006/main" xmlns:r="http://schemas.openxmlformats.org/officeDocument/2006/relationships" xmlns:p="http://schemas.openxmlformats.org/presentationml/2006/main">
   <p:cSld>
     <p:spTree>
@@ -5476,10 +5897,17 @@
   <p:clrMapOvr>
     <a:masterClrMapping/>
   </p:clrMapOvr>
+  <p:timing>
+    <p:tnLst>
+      <p:par>
+        <p:cTn xmlns:p14="http://schemas.microsoft.com/office/powerpoint/2010/main" id="1" dur="indefinite" restart="never" nodeType="tmRoot"/>
+      </p:par>
+    </p:tnLst>
+  </p:timing>
 </p:sld>
 </file>
 
-<file path=ppt/slides/slide5.xml><?xml version="1.0" encoding="utf-8"?>
+<file path=ppt/slides/slide6.xml><?xml version="1.0" encoding="utf-8"?>
 <p:sld xmlns:a="http://schemas.openxmlformats.org/drawingml/2006/main" xmlns:r="http://schemas.openxmlformats.org/officeDocument/2006/relationships" xmlns:p="http://schemas.openxmlformats.org/presentationml/2006/main">
   <p:cSld>
     <p:spTree>
@@ -5630,10 +6058,17 @@
   <p:clrMapOvr>
     <a:masterClrMapping/>
   </p:clrMapOvr>
+  <p:timing>
+    <p:tnLst>
+      <p:par>
+        <p:cTn xmlns:p14="http://schemas.microsoft.com/office/powerpoint/2010/main" id="1" dur="indefinite" restart="never" nodeType="tmRoot"/>
+      </p:par>
+    </p:tnLst>
+  </p:timing>
 </p:sld>
 </file>
 
-<file path=ppt/slides/slide6.xml><?xml version="1.0" encoding="utf-8"?>
+<file path=ppt/slides/slide7.xml><?xml version="1.0" encoding="utf-8"?>
 <p:sld xmlns:a="http://schemas.openxmlformats.org/drawingml/2006/main" xmlns:r="http://schemas.openxmlformats.org/officeDocument/2006/relationships" xmlns:p="http://schemas.openxmlformats.org/presentationml/2006/main">
   <p:cSld>
     <p:spTree>
@@ -6064,259 +6499,13 @@
   <p:clrMapOvr>
     <a:masterClrMapping/>
   </p:clrMapOvr>
-</p:sld>
-</file>
-
-<file path=ppt/slides/slide7.xml><?xml version="1.0" encoding="utf-8"?>
-<p:sld xmlns:a="http://schemas.openxmlformats.org/drawingml/2006/main" xmlns:r="http://schemas.openxmlformats.org/officeDocument/2006/relationships" xmlns:p="http://schemas.openxmlformats.org/presentationml/2006/main">
-  <p:cSld>
-    <p:spTree>
-      <p:nvGrpSpPr>
-        <p:cNvPr id="1" name=""/>
-        <p:cNvGrpSpPr/>
-        <p:nvPr/>
-      </p:nvGrpSpPr>
-      <p:grpSpPr>
-        <a:xfrm>
-          <a:off x="0" y="0"/>
-          <a:ext cx="0" cy="0"/>
-          <a:chOff x="0" y="0"/>
-          <a:chExt cx="0" cy="0"/>
-        </a:xfrm>
-      </p:grpSpPr>
-      <p:sp>
-        <p:nvSpPr>
-          <p:cNvPr id="2" name="Title 1"/>
-          <p:cNvSpPr>
-            <a:spLocks noGrp="1"/>
-          </p:cNvSpPr>
-          <p:nvPr>
-            <p:ph type="title"/>
-          </p:nvPr>
-        </p:nvSpPr>
-        <p:spPr/>
-        <p:txBody>
-          <a:bodyPr/>
-          <a:lstStyle/>
-          <a:p>
-            <a:r>
-              <a:rPr lang="en-US" dirty="0" smtClean="0"/>
-              <a:t>Processing Canvas</a:t>
-            </a:r>
-            <a:endParaRPr lang="en-US" dirty="0"/>
-          </a:p>
-        </p:txBody>
-      </p:sp>
-      <p:sp>
-        <p:nvSpPr>
-          <p:cNvPr id="3" name="TextBox 2"/>
-          <p:cNvSpPr txBox="1"/>
-          <p:nvPr/>
-        </p:nvSpPr>
-        <p:spPr>
-          <a:xfrm>
-            <a:off x="948888" y="2423489"/>
-            <a:ext cx="6556678" cy="646331"/>
-          </a:xfrm>
-          <a:prstGeom prst="rect">
-            <a:avLst/>
-          </a:prstGeom>
-          <a:noFill/>
-        </p:spPr>
-        <p:txBody>
-          <a:bodyPr wrap="none" rtlCol="0">
-            <a:spAutoFit/>
-          </a:bodyPr>
-          <a:lstStyle/>
-          <a:p>
-            <a:r>
-              <a:rPr lang="en-US" sz="3600" b="1" dirty="0" smtClean="0">
-                <a:latin typeface="Courier"/>
-                <a:cs typeface="Courier"/>
-              </a:rPr>
-              <a:t>size(  </a:t>
-            </a:r>
-            <a:r>
-              <a:rPr lang="en-US" sz="3600" i="1" dirty="0" smtClean="0">
-                <a:latin typeface="Courier"/>
-                <a:cs typeface="Courier"/>
-              </a:rPr>
-              <a:t>width</a:t>
-            </a:r>
-            <a:r>
-              <a:rPr lang="en-US" sz="3600" b="1" dirty="0" smtClean="0">
-                <a:latin typeface="Courier"/>
-                <a:cs typeface="Courier"/>
-              </a:rPr>
-              <a:t>, </a:t>
-            </a:r>
-            <a:r>
-              <a:rPr lang="en-US" sz="3600" i="1" dirty="0" smtClean="0">
-                <a:latin typeface="Courier"/>
-                <a:cs typeface="Courier"/>
-              </a:rPr>
-              <a:t>height</a:t>
-            </a:r>
-            <a:r>
-              <a:rPr lang="en-US" sz="3600" b="1" dirty="0" smtClean="0">
-                <a:latin typeface="Courier"/>
-                <a:cs typeface="Courier"/>
-              </a:rPr>
-              <a:t> );</a:t>
-            </a:r>
-            <a:endParaRPr lang="en-US" sz="3600" b="1" dirty="0">
-              <a:latin typeface="Courier"/>
-              <a:cs typeface="Courier"/>
-            </a:endParaRPr>
-          </a:p>
-        </p:txBody>
-      </p:sp>
-      <p:sp>
-        <p:nvSpPr>
-          <p:cNvPr id="4" name="TextBox 3"/>
-          <p:cNvSpPr txBox="1"/>
-          <p:nvPr/>
-        </p:nvSpPr>
-        <p:spPr>
-          <a:xfrm>
-            <a:off x="948888" y="4306792"/>
-            <a:ext cx="6556678" cy="646331"/>
-          </a:xfrm>
-          <a:prstGeom prst="rect">
-            <a:avLst/>
-          </a:prstGeom>
-          <a:noFill/>
-        </p:spPr>
-        <p:txBody>
-          <a:bodyPr wrap="none" rtlCol="0">
-            <a:spAutoFit/>
-          </a:bodyPr>
-          <a:lstStyle/>
-          <a:p>
-            <a:r>
-              <a:rPr lang="en-US" sz="3600" b="1" dirty="0" smtClean="0">
-                <a:latin typeface="Courier"/>
-                <a:cs typeface="Courier"/>
-              </a:rPr>
-              <a:t>background( </a:t>
-            </a:r>
-            <a:r>
-              <a:rPr lang="en-US" sz="3600" i="1" dirty="0" smtClean="0">
-                <a:latin typeface="Courier"/>
-                <a:cs typeface="Courier"/>
-              </a:rPr>
-              <a:t>[0..255] </a:t>
-            </a:r>
-            <a:r>
-              <a:rPr lang="en-US" sz="3600" b="1" dirty="0" smtClean="0">
-                <a:latin typeface="Courier"/>
-                <a:cs typeface="Courier"/>
-              </a:rPr>
-              <a:t>);</a:t>
-            </a:r>
-            <a:endParaRPr lang="en-US" sz="3600" b="1" dirty="0">
-              <a:latin typeface="Courier"/>
-              <a:cs typeface="Courier"/>
-            </a:endParaRPr>
-          </a:p>
-        </p:txBody>
-      </p:sp>
-      <p:sp>
-        <p:nvSpPr>
-          <p:cNvPr id="5" name="TextBox 4"/>
-          <p:cNvSpPr txBox="1"/>
-          <p:nvPr/>
-        </p:nvSpPr>
-        <p:spPr>
-          <a:xfrm>
-            <a:off x="1789591" y="3157431"/>
-            <a:ext cx="4940693" cy="646331"/>
-          </a:xfrm>
-          <a:prstGeom prst="rect">
-            <a:avLst/>
-          </a:prstGeom>
-          <a:noFill/>
-        </p:spPr>
-        <p:txBody>
-          <a:bodyPr wrap="none" rtlCol="0">
-            <a:spAutoFit/>
-          </a:bodyPr>
-          <a:lstStyle/>
-          <a:p>
-            <a:r>
-              <a:rPr lang="en-US" sz="3600" i="1" dirty="0" smtClean="0">
-                <a:latin typeface="Times New Roman"/>
-                <a:cs typeface="Times New Roman"/>
-              </a:rPr>
-              <a:t>Set the size of the canvas</a:t>
-            </a:r>
-            <a:endParaRPr lang="en-US" sz="3600" i="1" dirty="0">
-              <a:latin typeface="Times New Roman"/>
-              <a:cs typeface="Times New Roman"/>
-            </a:endParaRPr>
-          </a:p>
-        </p:txBody>
-      </p:sp>
-      <p:sp>
-        <p:nvSpPr>
-          <p:cNvPr id="6" name="TextBox 5"/>
-          <p:cNvSpPr txBox="1"/>
-          <p:nvPr/>
-        </p:nvSpPr>
-        <p:spPr>
-          <a:xfrm>
-            <a:off x="1789591" y="5034073"/>
-            <a:ext cx="6885185" cy="646331"/>
-          </a:xfrm>
-          <a:prstGeom prst="rect">
-            <a:avLst/>
-          </a:prstGeom>
-          <a:noFill/>
-        </p:spPr>
-        <p:txBody>
-          <a:bodyPr wrap="none" rtlCol="0">
-            <a:spAutoFit/>
-          </a:bodyPr>
-          <a:lstStyle/>
-          <a:p>
-            <a:r>
-              <a:rPr lang="en-US" sz="3600" i="1" dirty="0" smtClean="0">
-                <a:latin typeface="Times New Roman"/>
-                <a:cs typeface="Times New Roman"/>
-              </a:rPr>
-              <a:t>Set the background </a:t>
-            </a:r>
-            <a:r>
-              <a:rPr lang="en-US" sz="3600" i="1" dirty="0" err="1" smtClean="0">
-                <a:latin typeface="Times New Roman"/>
-                <a:cs typeface="Times New Roman"/>
-              </a:rPr>
-              <a:t>grayscale</a:t>
-            </a:r>
-            <a:r>
-              <a:rPr lang="en-US" sz="3600" i="1" dirty="0" smtClean="0">
-                <a:latin typeface="Times New Roman"/>
-                <a:cs typeface="Times New Roman"/>
-              </a:rPr>
-              <a:t> color</a:t>
-            </a:r>
-            <a:endParaRPr lang="en-US" sz="3600" i="1" dirty="0">
-              <a:latin typeface="Times New Roman"/>
-              <a:cs typeface="Times New Roman"/>
-            </a:endParaRPr>
-          </a:p>
-        </p:txBody>
-      </p:sp>
-    </p:spTree>
-    <p:extLst>
-      <p:ext uri="{BB962C8B-B14F-4D97-AF65-F5344CB8AC3E}">
-        <p14:creationId xmlns:p14="http://schemas.microsoft.com/office/powerpoint/2010/main" val="3583508387"/>
-      </p:ext>
-    </p:extLst>
-  </p:cSld>
-  <p:clrMapOvr>
-    <a:masterClrMapping/>
-  </p:clrMapOvr>
+  <p:timing>
+    <p:tnLst>
+      <p:par>
+        <p:cTn xmlns:p14="http://schemas.microsoft.com/office/powerpoint/2010/main" id="1" dur="indefinite" restart="never" nodeType="tmRoot"/>
+      </p:par>
+    </p:tnLst>
+  </p:timing>
 </p:sld>
 </file>
 
@@ -6354,7 +6543,7 @@
           <a:p>
             <a:r>
               <a:rPr lang="en-US" dirty="0" smtClean="0"/>
-              <a:t>Basic Shapes</a:t>
+              <a:t>Processing Canvas</a:t>
             </a:r>
             <a:endParaRPr lang="en-US" dirty="0"/>
           </a:p>
@@ -6362,27 +6551,208 @@
       </p:sp>
       <p:sp>
         <p:nvSpPr>
-          <p:cNvPr id="3" name="Text Placeholder 2"/>
-          <p:cNvSpPr>
-            <a:spLocks noGrp="1"/>
-          </p:cNvSpPr>
-          <p:nvPr>
-            <p:ph type="body" idx="1"/>
-          </p:nvPr>
-        </p:nvSpPr>
-        <p:spPr/>
-        <p:txBody>
-          <a:bodyPr/>
-          <a:lstStyle/>
-          <a:p>
-            <a:endParaRPr lang="en-US"/>
+          <p:cNvPr id="3" name="TextBox 2"/>
+          <p:cNvSpPr txBox="1"/>
+          <p:nvPr/>
+        </p:nvSpPr>
+        <p:spPr>
+          <a:xfrm>
+            <a:off x="948888" y="2423489"/>
+            <a:ext cx="6556678" cy="646331"/>
+          </a:xfrm>
+          <a:prstGeom prst="rect">
+            <a:avLst/>
+          </a:prstGeom>
+          <a:noFill/>
+        </p:spPr>
+        <p:txBody>
+          <a:bodyPr wrap="none" rtlCol="0">
+            <a:spAutoFit/>
+          </a:bodyPr>
+          <a:lstStyle/>
+          <a:p>
+            <a:r>
+              <a:rPr lang="en-US" sz="3600" b="1" dirty="0" smtClean="0">
+                <a:latin typeface="Courier"/>
+                <a:cs typeface="Courier"/>
+              </a:rPr>
+              <a:t>size(  </a:t>
+            </a:r>
+            <a:r>
+              <a:rPr lang="en-US" sz="3600" i="1" dirty="0" smtClean="0">
+                <a:latin typeface="Courier"/>
+                <a:cs typeface="Courier"/>
+              </a:rPr>
+              <a:t>width</a:t>
+            </a:r>
+            <a:r>
+              <a:rPr lang="en-US" sz="3600" b="1" dirty="0" smtClean="0">
+                <a:latin typeface="Courier"/>
+                <a:cs typeface="Courier"/>
+              </a:rPr>
+              <a:t>, </a:t>
+            </a:r>
+            <a:r>
+              <a:rPr lang="en-US" sz="3600" i="1" dirty="0" smtClean="0">
+                <a:latin typeface="Courier"/>
+                <a:cs typeface="Courier"/>
+              </a:rPr>
+              <a:t>height</a:t>
+            </a:r>
+            <a:r>
+              <a:rPr lang="en-US" sz="3600" b="1" dirty="0" smtClean="0">
+                <a:latin typeface="Courier"/>
+                <a:cs typeface="Courier"/>
+              </a:rPr>
+              <a:t> );</a:t>
+            </a:r>
+            <a:endParaRPr lang="en-US" sz="3600" b="1" dirty="0">
+              <a:latin typeface="Courier"/>
+              <a:cs typeface="Courier"/>
+            </a:endParaRPr>
+          </a:p>
+        </p:txBody>
+      </p:sp>
+      <p:sp>
+        <p:nvSpPr>
+          <p:cNvPr id="4" name="TextBox 3"/>
+          <p:cNvSpPr txBox="1"/>
+          <p:nvPr/>
+        </p:nvSpPr>
+        <p:spPr>
+          <a:xfrm>
+            <a:off x="948888" y="4306792"/>
+            <a:ext cx="6556678" cy="646331"/>
+          </a:xfrm>
+          <a:prstGeom prst="rect">
+            <a:avLst/>
+          </a:prstGeom>
+          <a:noFill/>
+        </p:spPr>
+        <p:txBody>
+          <a:bodyPr wrap="none" rtlCol="0">
+            <a:spAutoFit/>
+          </a:bodyPr>
+          <a:lstStyle/>
+          <a:p>
+            <a:r>
+              <a:rPr lang="en-US" sz="3600" b="1" dirty="0" smtClean="0">
+                <a:latin typeface="Courier"/>
+                <a:cs typeface="Courier"/>
+              </a:rPr>
+              <a:t>background( </a:t>
+            </a:r>
+            <a:r>
+              <a:rPr lang="en-US" sz="3600" i="1" dirty="0" smtClean="0">
+                <a:latin typeface="Courier"/>
+                <a:cs typeface="Courier"/>
+              </a:rPr>
+              <a:t>[0..255] </a:t>
+            </a:r>
+            <a:r>
+              <a:rPr lang="en-US" sz="3600" b="1" dirty="0" smtClean="0">
+                <a:latin typeface="Courier"/>
+                <a:cs typeface="Courier"/>
+              </a:rPr>
+              <a:t>);</a:t>
+            </a:r>
+            <a:endParaRPr lang="en-US" sz="3600" b="1" dirty="0">
+              <a:latin typeface="Courier"/>
+              <a:cs typeface="Courier"/>
+            </a:endParaRPr>
+          </a:p>
+        </p:txBody>
+      </p:sp>
+      <p:sp>
+        <p:nvSpPr>
+          <p:cNvPr id="5" name="TextBox 4"/>
+          <p:cNvSpPr txBox="1"/>
+          <p:nvPr/>
+        </p:nvSpPr>
+        <p:spPr>
+          <a:xfrm>
+            <a:off x="1789591" y="3157431"/>
+            <a:ext cx="4940693" cy="646331"/>
+          </a:xfrm>
+          <a:prstGeom prst="rect">
+            <a:avLst/>
+          </a:prstGeom>
+          <a:noFill/>
+        </p:spPr>
+        <p:txBody>
+          <a:bodyPr wrap="none" rtlCol="0">
+            <a:spAutoFit/>
+          </a:bodyPr>
+          <a:lstStyle/>
+          <a:p>
+            <a:r>
+              <a:rPr lang="en-US" sz="3600" i="1" dirty="0" smtClean="0">
+                <a:latin typeface="Times New Roman"/>
+                <a:cs typeface="Times New Roman"/>
+              </a:rPr>
+              <a:t>Set the size of the canvas</a:t>
+            </a:r>
+            <a:endParaRPr lang="en-US" sz="3600" i="1" dirty="0">
+              <a:latin typeface="Times New Roman"/>
+              <a:cs typeface="Times New Roman"/>
+            </a:endParaRPr>
+          </a:p>
+        </p:txBody>
+      </p:sp>
+      <p:sp>
+        <p:nvSpPr>
+          <p:cNvPr id="6" name="TextBox 5"/>
+          <p:cNvSpPr txBox="1"/>
+          <p:nvPr/>
+        </p:nvSpPr>
+        <p:spPr>
+          <a:xfrm>
+            <a:off x="1789591" y="5034073"/>
+            <a:ext cx="6885185" cy="646331"/>
+          </a:xfrm>
+          <a:prstGeom prst="rect">
+            <a:avLst/>
+          </a:prstGeom>
+          <a:noFill/>
+        </p:spPr>
+        <p:txBody>
+          <a:bodyPr wrap="none" rtlCol="0">
+            <a:spAutoFit/>
+          </a:bodyPr>
+          <a:lstStyle/>
+          <a:p>
+            <a:r>
+              <a:rPr lang="en-US" sz="3600" i="1" dirty="0" smtClean="0">
+                <a:latin typeface="Times New Roman"/>
+                <a:cs typeface="Times New Roman"/>
+              </a:rPr>
+              <a:t>Set the background </a:t>
+            </a:r>
+            <a:r>
+              <a:rPr lang="en-US" sz="3600" i="1" dirty="0" err="1" smtClean="0">
+                <a:latin typeface="Times New Roman"/>
+                <a:cs typeface="Times New Roman"/>
+              </a:rPr>
+              <a:t>grayscale</a:t>
+            </a:r>
+            <a:r>
+              <a:rPr lang="en-US" sz="3600" i="1" dirty="0" smtClean="0">
+                <a:latin typeface="Times New Roman"/>
+                <a:cs typeface="Times New Roman"/>
+              </a:rPr>
+              <a:t> color</a:t>
+            </a:r>
+            <a:endParaRPr lang="en-US" sz="3600" i="1" dirty="0">
+              <a:latin typeface="Times New Roman"/>
+              <a:cs typeface="Times New Roman"/>
+            </a:endParaRPr>
           </a:p>
         </p:txBody>
       </p:sp>
     </p:spTree>
     <p:extLst>
       <p:ext uri="{BB962C8B-B14F-4D97-AF65-F5344CB8AC3E}">
-        <p14:creationId xmlns:p14="http://schemas.microsoft.com/office/powerpoint/2010/main" val="931252718"/>
+        <p14:creationId xmlns:p14="http://schemas.microsoft.com/office/powerpoint/2010/main" val="3583508387"/>
       </p:ext>
     </p:extLst>
   </p:cSld>
@@ -6416,34 +6786,52 @@
           <a:chExt cx="0" cy="0"/>
         </a:xfrm>
       </p:grpSpPr>
-      <p:pic>
-        <p:nvPicPr>
-          <p:cNvPr id="3" name="Picture 2"/>
-          <p:cNvPicPr>
-            <a:picLocks noChangeAspect="1"/>
-          </p:cNvPicPr>
-          <p:nvPr/>
-        </p:nvPicPr>
-        <p:blipFill>
-          <a:blip r:embed="rId2"/>
-          <a:stretch>
-            <a:fillRect/>
-          </a:stretch>
-        </p:blipFill>
-        <p:spPr>
-          <a:xfrm>
-            <a:off x="540137" y="131395"/>
-            <a:ext cx="7924352" cy="6511268"/>
-          </a:xfrm>
-          <a:prstGeom prst="rect">
-            <a:avLst/>
-          </a:prstGeom>
-        </p:spPr>
-      </p:pic>
+      <p:sp>
+        <p:nvSpPr>
+          <p:cNvPr id="2" name="Title 1"/>
+          <p:cNvSpPr>
+            <a:spLocks noGrp="1"/>
+          </p:cNvSpPr>
+          <p:nvPr>
+            <p:ph type="title"/>
+          </p:nvPr>
+        </p:nvSpPr>
+        <p:spPr/>
+        <p:txBody>
+          <a:bodyPr/>
+          <a:lstStyle/>
+          <a:p>
+            <a:r>
+              <a:rPr lang="en-US" dirty="0" smtClean="0"/>
+              <a:t>Basic Shapes</a:t>
+            </a:r>
+            <a:endParaRPr lang="en-US" dirty="0"/>
+          </a:p>
+        </p:txBody>
+      </p:sp>
+      <p:sp>
+        <p:nvSpPr>
+          <p:cNvPr id="3" name="Text Placeholder 2"/>
+          <p:cNvSpPr>
+            <a:spLocks noGrp="1"/>
+          </p:cNvSpPr>
+          <p:nvPr>
+            <p:ph type="body" idx="1"/>
+          </p:nvPr>
+        </p:nvSpPr>
+        <p:spPr/>
+        <p:txBody>
+          <a:bodyPr/>
+          <a:lstStyle/>
+          <a:p>
+            <a:endParaRPr lang="en-US"/>
+          </a:p>
+        </p:txBody>
+      </p:sp>
     </p:spTree>
     <p:extLst>
       <p:ext uri="{BB962C8B-B14F-4D97-AF65-F5344CB8AC3E}">
-        <p14:creationId xmlns:p14="http://schemas.microsoft.com/office/powerpoint/2010/main" val="3623088430"/>
+        <p14:creationId xmlns:p14="http://schemas.microsoft.com/office/powerpoint/2010/main" val="931252718"/>
       </p:ext>
     </p:extLst>
   </p:cSld>
